--- a/DHSC_template.pptx
+++ b/DHSC_template.pptx
@@ -6,6 +6,7 @@
   </p:sldMasterIdLst>
   <p:sldIdLst>
     <p:sldId id="256" r:id="rId2"/>
+    <p:sldId id="257" r:id="rId3"/>
   </p:sldIdLst>
   <p:sldSz cx="12192000" cy="6858000"/>
   <p:notesSz cx="6858000" cy="9144000"/>
@@ -104,6 +105,11 @@
       </a:defRPr>
     </a:lvl9pPr>
   </p:defaultTextStyle>
+  <p:extLst>
+    <p:ext uri="{EFAFB233-063F-42B5-8137-9DF3F51BA10A}">
+      <p15:sldGuideLst xmlns:p15="http://schemas.microsoft.com/office/powerpoint/2012/main"/>
+    </p:ext>
+  </p:extLst>
 </p:presentation>
 </file>
 
@@ -188,7 +194,7 @@
           </a:bodyPr>
           <a:lstStyle>
             <a:lvl1pPr algn="l">
-              <a:defRPr sz="3400" b="1">
+              <a:defRPr sz="3400" b="0">
                 <a:latin typeface="Arial" panose="020B0604020202020204" pitchFamily="34" charset="0"/>
                 <a:cs typeface="Arial" panose="020B0604020202020204" pitchFamily="34" charset="0"/>
               </a:defRPr>
@@ -232,7 +238,7 @@
           <a:lstStyle>
             <a:lvl1pPr marL="0" indent="0" algn="l">
               <a:buNone/>
-              <a:defRPr sz="2000" b="1">
+              <a:defRPr sz="2000" b="0">
                 <a:latin typeface="Arial" panose="020B0604020202020204" pitchFamily="34" charset="0"/>
                 <a:cs typeface="Arial" panose="020B0604020202020204" pitchFamily="34" charset="0"/>
               </a:defRPr>
@@ -492,7 +498,7 @@
           <a:p>
             <a:fld id="{52D49A19-A149-4B4B-BC97-04A83FC49401}" type="datetimeFigureOut">
               <a:rPr lang="en-GB" smtClean="0"/>
-              <a:t>05/03/2021</a:t>
+              <a:t>16/04/2021</a:t>
             </a:fld>
             <a:endParaRPr lang="en-GB"/>
           </a:p>
@@ -702,7 +708,7 @@
           <a:p>
             <a:fld id="{52D49A19-A149-4B4B-BC97-04A83FC49401}" type="datetimeFigureOut">
               <a:rPr lang="en-GB" smtClean="0"/>
-              <a:t>05/03/2021</a:t>
+              <a:t>16/04/2021</a:t>
             </a:fld>
             <a:endParaRPr lang="en-GB"/>
           </a:p>
@@ -851,7 +857,7 @@
           </a:bodyPr>
           <a:lstStyle>
             <a:lvl1pPr>
-              <a:defRPr sz="3200" b="1"/>
+              <a:defRPr sz="3200" b="0"/>
             </a:lvl1pPr>
           </a:lstStyle>
           <a:p>
@@ -886,7 +892,7 @@
           </a:bodyPr>
           <a:lstStyle>
             <a:lvl1pPr>
-              <a:defRPr sz="2000" b="1"/>
+              <a:defRPr sz="2000" b="0"/>
             </a:lvl1pPr>
             <a:lvl2pPr>
               <a:defRPr sz="1800"/>
@@ -1033,7 +1039,7 @@
           </a:bodyPr>
           <a:lstStyle>
             <a:lvl1pPr>
-              <a:defRPr sz="3600" b="1"/>
+              <a:defRPr sz="3600" b="0"/>
             </a:lvl1pPr>
           </a:lstStyle>
           <a:p>
@@ -1074,7 +1080,7 @@
           <a:lstStyle>
             <a:lvl1pPr marL="0" indent="0">
               <a:buNone/>
-              <a:defRPr sz="2000" b="1">
+              <a:defRPr sz="2000" b="0">
                 <a:solidFill>
                   <a:schemeClr val="tx1"/>
                 </a:solidFill>
@@ -1259,7 +1265,7 @@
           </a:bodyPr>
           <a:lstStyle>
             <a:lvl1pPr>
-              <a:defRPr sz="3200" b="1"/>
+              <a:defRPr sz="3200" b="0"/>
             </a:lvl1pPr>
           </a:lstStyle>
           <a:p>
@@ -1299,7 +1305,7 @@
           </a:bodyPr>
           <a:lstStyle>
             <a:lvl1pPr>
-              <a:defRPr sz="2000" b="1"/>
+              <a:defRPr sz="2000" b="0"/>
             </a:lvl1pPr>
             <a:lvl2pPr>
               <a:defRPr sz="1800"/>
@@ -1380,7 +1386,7 @@
           </a:bodyPr>
           <a:lstStyle>
             <a:lvl1pPr>
-              <a:defRPr sz="2000" b="1"/>
+              <a:defRPr sz="2000" b="0"/>
             </a:lvl1pPr>
             <a:lvl2pPr>
               <a:defRPr sz="1800"/>
@@ -1578,7 +1584,7 @@
           <a:lstStyle>
             <a:lvl1pPr marL="0" indent="0">
               <a:buNone/>
-              <a:defRPr sz="2400" b="1"/>
+              <a:defRPr sz="2400" b="0"/>
             </a:lvl1pPr>
             <a:lvl2pPr marL="457200" indent="0">
               <a:buNone/>
@@ -1616,7 +1622,7 @@
           <a:p>
             <a:pPr lvl="0"/>
             <a:r>
-              <a:rPr lang="en-US"/>
+              <a:rPr lang="en-US" dirty="0"/>
               <a:t>Click to edit Master text styles</a:t>
             </a:r>
           </a:p>
@@ -1712,7 +1718,7 @@
           <a:lstStyle>
             <a:lvl1pPr marL="0" indent="0">
               <a:buNone/>
-              <a:defRPr sz="2400" b="1"/>
+              <a:defRPr sz="2400" b="0"/>
             </a:lvl1pPr>
             <a:lvl2pPr marL="457200" indent="0">
               <a:buNone/>
@@ -1750,7 +1756,7 @@
           <a:p>
             <a:pPr lvl="0"/>
             <a:r>
-              <a:rPr lang="en-US"/>
+              <a:rPr lang="en-US" dirty="0"/>
               <a:t>Click to edit Master text styles</a:t>
             </a:r>
           </a:p>
@@ -1842,7 +1848,7 @@
           <a:p>
             <a:fld id="{52D49A19-A149-4B4B-BC97-04A83FC49401}" type="datetimeFigureOut">
               <a:rPr lang="en-GB" smtClean="0"/>
-              <a:t>05/03/2021</a:t>
+              <a:t>16/04/2021</a:t>
             </a:fld>
             <a:endParaRPr lang="en-GB"/>
           </a:p>
@@ -1984,7 +1990,7 @@
           <a:p>
             <a:fld id="{52D49A19-A149-4B4B-BC97-04A83FC49401}" type="datetimeFigureOut">
               <a:rPr lang="en-GB" smtClean="0"/>
-              <a:t>05/03/2021</a:t>
+              <a:t>16/04/2021</a:t>
             </a:fld>
             <a:endParaRPr lang="en-GB"/>
           </a:p>
@@ -2097,7 +2103,7 @@
           <a:p>
             <a:fld id="{52D49A19-A149-4B4B-BC97-04A83FC49401}" type="datetimeFigureOut">
               <a:rPr lang="en-GB" smtClean="0"/>
-              <a:t>05/03/2021</a:t>
+              <a:t>16/04/2021</a:t>
             </a:fld>
             <a:endParaRPr lang="en-GB"/>
           </a:p>
@@ -2410,7 +2416,7 @@
           <a:p>
             <a:fld id="{52D49A19-A149-4B4B-BC97-04A83FC49401}" type="datetimeFigureOut">
               <a:rPr lang="en-GB" smtClean="0"/>
-              <a:t>05/03/2021</a:t>
+              <a:t>16/04/2021</a:t>
             </a:fld>
             <a:endParaRPr lang="en-GB"/>
           </a:p>
@@ -2699,7 +2705,7 @@
           <a:p>
             <a:fld id="{52D49A19-A149-4B4B-BC97-04A83FC49401}" type="datetimeFigureOut">
               <a:rPr lang="en-GB" smtClean="0"/>
-              <a:t>05/03/2021</a:t>
+              <a:t>16/04/2021</a:t>
             </a:fld>
             <a:endParaRPr lang="en-GB"/>
           </a:p>
@@ -2942,7 +2948,7 @@
           <a:p>
             <a:fld id="{52D49A19-A149-4B4B-BC97-04A83FC49401}" type="datetimeFigureOut">
               <a:rPr lang="en-GB" smtClean="0"/>
-              <a:t>05/03/2021</a:t>
+              <a:t>16/04/2021</a:t>
             </a:fld>
             <a:endParaRPr lang="en-GB"/>
           </a:p>
@@ -3422,6 +3428,86 @@
 </p:sld>
 </file>
 
+<file path=ppt/slides/slide2.xml><?xml version="1.0" encoding="utf-8"?>
+<p:sld xmlns:a="http://schemas.openxmlformats.org/drawingml/2006/main" xmlns:r="http://schemas.openxmlformats.org/officeDocument/2006/relationships" xmlns:p="http://schemas.openxmlformats.org/presentationml/2006/main">
+  <p:cSld>
+    <p:spTree>
+      <p:nvGrpSpPr>
+        <p:cNvPr id="1" name=""/>
+        <p:cNvGrpSpPr/>
+        <p:nvPr/>
+      </p:nvGrpSpPr>
+      <p:grpSpPr>
+        <a:xfrm>
+          <a:off x="0" y="0"/>
+          <a:ext cx="0" cy="0"/>
+          <a:chOff x="0" y="0"/>
+          <a:chExt cx="0" cy="0"/>
+        </a:xfrm>
+      </p:grpSpPr>
+      <p:sp>
+        <p:nvSpPr>
+          <p:cNvPr id="2" name="Title 1">
+            <a:extLst>
+              <a:ext uri="{FF2B5EF4-FFF2-40B4-BE49-F238E27FC236}">
+                <a16:creationId xmlns:a16="http://schemas.microsoft.com/office/drawing/2014/main" id="{25B70A0C-EA0F-4BF3-A27D-B9126E90A720}"/>
+              </a:ext>
+            </a:extLst>
+          </p:cNvPr>
+          <p:cNvSpPr>
+            <a:spLocks noGrp="1"/>
+          </p:cNvSpPr>
+          <p:nvPr>
+            <p:ph type="title"/>
+          </p:nvPr>
+        </p:nvSpPr>
+        <p:spPr/>
+        <p:txBody>
+          <a:bodyPr/>
+          <a:lstStyle/>
+          <a:p>
+            <a:endParaRPr lang="en-GB"/>
+          </a:p>
+        </p:txBody>
+      </p:sp>
+      <p:sp>
+        <p:nvSpPr>
+          <p:cNvPr id="3" name="Content Placeholder 2">
+            <a:extLst>
+              <a:ext uri="{FF2B5EF4-FFF2-40B4-BE49-F238E27FC236}">
+                <a16:creationId xmlns:a16="http://schemas.microsoft.com/office/drawing/2014/main" id="{0E28F69E-5DF5-4975-A309-91995F9DBC77}"/>
+              </a:ext>
+            </a:extLst>
+          </p:cNvPr>
+          <p:cNvSpPr>
+            <a:spLocks noGrp="1"/>
+          </p:cNvSpPr>
+          <p:nvPr>
+            <p:ph idx="1"/>
+          </p:nvPr>
+        </p:nvSpPr>
+        <p:spPr/>
+        <p:txBody>
+          <a:bodyPr/>
+          <a:lstStyle/>
+          <a:p>
+            <a:endParaRPr lang="en-GB"/>
+          </a:p>
+        </p:txBody>
+      </p:sp>
+    </p:spTree>
+    <p:extLst>
+      <p:ext uri="{BB962C8B-B14F-4D97-AF65-F5344CB8AC3E}">
+        <p14:creationId xmlns:p14="http://schemas.microsoft.com/office/powerpoint/2010/main" val="959761540"/>
+      </p:ext>
+    </p:extLst>
+  </p:cSld>
+  <p:clrMapOvr>
+    <a:masterClrMapping/>
+  </p:clrMapOvr>
+</p:sld>
+</file>
+
 <file path=ppt/theme/theme1.xml><?xml version="1.0" encoding="utf-8"?>
 <a:theme xmlns:a="http://schemas.openxmlformats.org/drawingml/2006/main" name="Office Theme">
   <a:themeElements>
